--- a/system-analysis-design/slides/11-System Analysis and Design Course 2023 2nd Semester.pptx
+++ b/system-analysis-design/slides/11-System Analysis and Design Course 2023 2nd Semester.pptx
@@ -28537,15 +28537,9 @@
                 <a:solidFill>
                   <a:schemeClr val="tx1"/>
                 </a:solidFill>
-                <a:hlinkClick r:id="rId3">
-                  <a:extLst>
-                    <a:ext uri="{A12FA001-AC4F-418D-AE19-62706E023703}">
-                      <ahyp:hlinkClr xmlns:ahyp="http://schemas.microsoft.com/office/drawing/2018/hyperlinkcolor" val="tx"/>
-                    </a:ext>
-                  </a:extLst>
-                </a:hlinkClick>
+                <a:hlinkClick r:id="rId3"/>
               </a:rPr>
-              <a:t>Mariko Tagawa</a:t>
+              <a:t>Mariko Tagawa </a:t>
             </a:r>
             <a:r>
               <a:rPr lang="en-US" sz="1200" dirty="0">
@@ -28553,23 +28547,7 @@
                   <a:schemeClr val="tx1"/>
                 </a:solidFill>
               </a:rPr>
-              <a:t> (</a:t>
-            </a:r>
-            <a:r>
-              <a:rPr lang="en-US" sz="1200" dirty="0" err="1">
-                <a:solidFill>
-                  <a:schemeClr val="tx1"/>
-                </a:solidFill>
-              </a:rPr>
-              <a:t>marikotagawa@gmail.com</a:t>
-            </a:r>
-            <a:r>
-              <a:rPr lang="en-US" sz="1200" dirty="0">
-                <a:solidFill>
-                  <a:schemeClr val="tx1"/>
-                </a:solidFill>
-              </a:rPr>
-              <a:t>), JICA volunteer</a:t>
+              <a:t>, JICA volunteer</a:t>
             </a:r>
           </a:p>
         </p:txBody>
@@ -29461,7 +29439,7 @@
                 <a:ea typeface="MS PGothic" panose="020B0600070205080204" pitchFamily="34" charset="-128"/>
                 <a:hlinkClick r:id="rId3"/>
               </a:rPr>
-              <a:t>https://forms.gle/SHW1TnDuSsM77Xbz6</a:t>
+              <a:t>https://forms.gle/7QXhoBK5Wp6h46R56</a:t>
             </a:r>
             <a:endParaRPr lang="en-US" sz="2000" dirty="0">
               <a:solidFill>
@@ -30920,7 +30898,7 @@
                 <a:ea typeface="MS PGothic" panose="020B0600070205080204" pitchFamily="34" charset="-128"/>
                 <a:hlinkClick r:id="rId3"/>
               </a:rPr>
-              <a:t>https://forms.gle/YshoUKb2DhG4EZQg6</a:t>
+              <a:t>https://forms.gle/uyr9JGcDZFuAjLoXA</a:t>
             </a:r>
             <a:endParaRPr lang="en-US" sz="2000" dirty="0">
               <a:solidFill>
@@ -31480,28 +31458,20 @@
           <a:lstStyle/>
           <a:p>
             <a:r>
-              <a:rPr lang="en-US" altLang="ja-JP" sz="1800" b="0" i="0" dirty="0">
+              <a:rPr lang="en-US" altLang="ja-JP" sz="1800" dirty="0">
                 <a:solidFill>
                   <a:schemeClr val="tx1"/>
                 </a:solidFill>
-                <a:effectLst/>
                 <a:latin typeface="MS PGothic" panose="020B0600070205080204" pitchFamily="34" charset="-128"/>
                 <a:ea typeface="MS PGothic" panose="020B0600070205080204" pitchFamily="34" charset="-128"/>
-                <a:hlinkClick r:id="rId3">
-                  <a:extLst>
-                    <a:ext uri="{A12FA001-AC4F-418D-AE19-62706E023703}">
-                      <ahyp:hlinkClr xmlns:ahyp="http://schemas.microsoft.com/office/drawing/2018/hyperlinkcolor" val="tx"/>
-                    </a:ext>
-                  </a:extLst>
-                </a:hlinkClick>
+                <a:hlinkClick r:id="rId3"/>
               </a:rPr>
-              <a:t>https://forms.gle/SznmbjxckXN5RLdZA</a:t>
+              <a:t>https://forms.gle/KUkJ3kc3td2CXGYQ7</a:t>
             </a:r>
-            <a:endParaRPr lang="en-US" altLang="ja-JP" sz="1800" b="0" i="0" dirty="0">
+            <a:endParaRPr lang="en-US" altLang="ja-JP" sz="1800" dirty="0">
               <a:solidFill>
                 <a:schemeClr val="tx1"/>
               </a:solidFill>
-              <a:effectLst/>
               <a:latin typeface="MS PGothic" panose="020B0600070205080204" pitchFamily="34" charset="-128"/>
               <a:ea typeface="MS PGothic" panose="020B0600070205080204" pitchFamily="34" charset="-128"/>
             </a:endParaRPr>
